--- a/Documentation/ER_diagrams.pptx
+++ b/Documentation/ER_diagrams.pptx
@@ -5,11 +5,12 @@
     <p:sldMasterId id="2147483648" r:id="rId1"/>
   </p:sldMasterIdLst>
   <p:sldIdLst>
-    <p:sldId id="257" r:id="rId2"/>
-    <p:sldId id="256" r:id="rId3"/>
-    <p:sldId id="259" r:id="rId4"/>
-    <p:sldId id="261" r:id="rId5"/>
-    <p:sldId id="262" r:id="rId6"/>
+    <p:sldId id="264" r:id="rId2"/>
+    <p:sldId id="257" r:id="rId3"/>
+    <p:sldId id="256" r:id="rId4"/>
+    <p:sldId id="259" r:id="rId5"/>
+    <p:sldId id="261" r:id="rId6"/>
+    <p:sldId id="262" r:id="rId7"/>
   </p:sldIdLst>
   <p:sldSz cx="12192000" cy="6858000"/>
   <p:notesSz cx="6858000" cy="9144000"/>
@@ -3332,6 +3333,92 @@
       </p:grpSpPr>
       <p:sp>
         <p:nvSpPr>
+          <p:cNvPr id="2" name="Title 1">
+            <a:extLst>
+              <a:ext uri="{FF2B5EF4-FFF2-40B4-BE49-F238E27FC236}">
+                <a16:creationId xmlns:a16="http://schemas.microsoft.com/office/drawing/2014/main" id="{6C88AFDE-0038-429F-9AA9-52E487DF3EDA}"/>
+              </a:ext>
+            </a:extLst>
+          </p:cNvPr>
+          <p:cNvSpPr>
+            <a:spLocks noGrp="1"/>
+          </p:cNvSpPr>
+          <p:nvPr>
+            <p:ph type="ctrTitle"/>
+          </p:nvPr>
+        </p:nvSpPr>
+        <p:spPr/>
+        <p:txBody>
+          <a:bodyPr/>
+          <a:lstStyle/>
+          <a:p>
+            <a:r>
+              <a:rPr lang="en-US" dirty="0"/>
+              <a:t>ER Diagrams for CSI 5302 Group Project</a:t>
+            </a:r>
+          </a:p>
+        </p:txBody>
+      </p:sp>
+      <p:sp>
+        <p:nvSpPr>
+          <p:cNvPr id="3" name="Subtitle 2">
+            <a:extLst>
+              <a:ext uri="{FF2B5EF4-FFF2-40B4-BE49-F238E27FC236}">
+                <a16:creationId xmlns:a16="http://schemas.microsoft.com/office/drawing/2014/main" id="{219552D9-754F-4CE7-BF7D-F51DC877FD5B}"/>
+              </a:ext>
+            </a:extLst>
+          </p:cNvPr>
+          <p:cNvSpPr>
+            <a:spLocks noGrp="1"/>
+          </p:cNvSpPr>
+          <p:nvPr>
+            <p:ph type="subTitle" idx="1"/>
+          </p:nvPr>
+        </p:nvSpPr>
+        <p:spPr/>
+        <p:txBody>
+          <a:bodyPr/>
+          <a:lstStyle/>
+          <a:p>
+            <a:r>
+              <a:rPr lang="en-US" dirty="0"/>
+              <a:t>Team: Matthew Hayes, Sarah Smallwood, Joshua Wellman</a:t>
+            </a:r>
+          </a:p>
+        </p:txBody>
+      </p:sp>
+    </p:spTree>
+    <p:extLst>
+      <p:ext uri="{BB962C8B-B14F-4D97-AF65-F5344CB8AC3E}">
+        <p14:creationId xmlns:p14="http://schemas.microsoft.com/office/powerpoint/2010/main" val="1939031240"/>
+      </p:ext>
+    </p:extLst>
+  </p:cSld>
+  <p:clrMapOvr>
+    <a:masterClrMapping/>
+  </p:clrMapOvr>
+</p:sld>
+</file>
+
+<file path=ppt/slides/slide2.xml><?xml version="1.0" encoding="utf-8"?>
+<p:sld xmlns:a="http://schemas.openxmlformats.org/drawingml/2006/main" xmlns:r="http://schemas.openxmlformats.org/officeDocument/2006/relationships" xmlns:p="http://schemas.openxmlformats.org/presentationml/2006/main">
+  <p:cSld>
+    <p:spTree>
+      <p:nvGrpSpPr>
+        <p:cNvPr id="1" name=""/>
+        <p:cNvGrpSpPr/>
+        <p:nvPr/>
+      </p:nvGrpSpPr>
+      <p:grpSpPr>
+        <a:xfrm>
+          <a:off x="0" y="0"/>
+          <a:ext cx="0" cy="0"/>
+          <a:chOff x="0" y="0"/>
+          <a:chExt cx="0" cy="0"/>
+        </a:xfrm>
+      </p:grpSpPr>
+      <p:sp>
+        <p:nvSpPr>
           <p:cNvPr id="5" name="Rectangle: Rounded Corners 4">
             <a:extLst>
               <a:ext uri="{FF2B5EF4-FFF2-40B4-BE49-F238E27FC236}">
@@ -3344,7 +3431,7 @@
         </p:nvSpPr>
         <p:spPr>
           <a:xfrm>
-            <a:off x="1936888" y="3071761"/>
+            <a:off x="3972718" y="3105169"/>
             <a:ext cx="1811045" cy="1136342"/>
           </a:xfrm>
           <a:prstGeom prst="roundRect">
@@ -3396,7 +3483,7 @@
         </p:nvSpPr>
         <p:spPr>
           <a:xfrm>
-            <a:off x="1936889" y="3389593"/>
+            <a:off x="3972719" y="3423001"/>
             <a:ext cx="1811044" cy="369332"/>
           </a:xfrm>
           <a:prstGeom prst="rect">
@@ -3432,7 +3519,7 @@
         </p:nvSpPr>
         <p:spPr>
           <a:xfrm>
-            <a:off x="4025363" y="3096915"/>
+            <a:off x="6061193" y="3130323"/>
             <a:ext cx="1774054" cy="1111188"/>
           </a:xfrm>
           <a:prstGeom prst="roundRect">
@@ -3484,7 +3571,7 @@
         </p:nvSpPr>
         <p:spPr>
           <a:xfrm>
-            <a:off x="4025363" y="3389593"/>
+            <a:off x="6061193" y="3423001"/>
             <a:ext cx="1774054" cy="369332"/>
           </a:xfrm>
           <a:prstGeom prst="rect">
@@ -3520,7 +3607,7 @@
         </p:nvSpPr>
         <p:spPr>
           <a:xfrm>
-            <a:off x="6039853" y="3096915"/>
+            <a:off x="8075683" y="3130323"/>
             <a:ext cx="1774054" cy="1111188"/>
           </a:xfrm>
           <a:prstGeom prst="roundRect">
@@ -3572,7 +3659,7 @@
         </p:nvSpPr>
         <p:spPr>
           <a:xfrm>
-            <a:off x="6039853" y="3389593"/>
+            <a:off x="8075683" y="3423001"/>
             <a:ext cx="1774054" cy="369332"/>
           </a:xfrm>
           <a:prstGeom prst="rect">
@@ -3696,7 +3783,7 @@
         </p:nvSpPr>
         <p:spPr>
           <a:xfrm>
-            <a:off x="5043815" y="914864"/>
+            <a:off x="7079645" y="948272"/>
             <a:ext cx="1811045" cy="1136342"/>
           </a:xfrm>
           <a:prstGeom prst="roundRect">
@@ -3748,7 +3835,7 @@
         </p:nvSpPr>
         <p:spPr>
           <a:xfrm>
-            <a:off x="5043815" y="1207542"/>
+            <a:off x="7079645" y="1240950"/>
             <a:ext cx="1811045" cy="369332"/>
           </a:xfrm>
           <a:prstGeom prst="rect">
@@ -3784,7 +3871,7 @@
         </p:nvSpPr>
         <p:spPr>
           <a:xfrm>
-            <a:off x="3451233" y="5005633"/>
+            <a:off x="5487064" y="4903996"/>
             <a:ext cx="4996207" cy="369332"/>
           </a:xfrm>
           <a:prstGeom prst="rect">
@@ -3819,7 +3906,7 @@
         </p:nvSpPr>
         <p:spPr>
           <a:xfrm>
-            <a:off x="8054343" y="3096824"/>
+            <a:off x="10090173" y="3130232"/>
             <a:ext cx="1774054" cy="1111188"/>
           </a:xfrm>
           <a:prstGeom prst="roundRect">
@@ -3871,7 +3958,7 @@
         </p:nvSpPr>
         <p:spPr>
           <a:xfrm>
-            <a:off x="8054343" y="3389502"/>
+            <a:off x="10090173" y="3422910"/>
             <a:ext cx="1774054" cy="369332"/>
           </a:xfrm>
           <a:prstGeom prst="rect">
@@ -3910,7 +3997,7 @@
         </p:nvCxnSpPr>
         <p:spPr>
           <a:xfrm rot="5400000" flipH="1" flipV="1">
-            <a:off x="3885597" y="1008021"/>
+            <a:off x="5921427" y="1041429"/>
             <a:ext cx="1020555" cy="3106927"/>
           </a:xfrm>
           <a:prstGeom prst="bentConnector3">
@@ -3955,7 +4042,7 @@
         </p:nvCxnSpPr>
         <p:spPr>
           <a:xfrm rot="5400000" flipH="1" flipV="1">
-            <a:off x="4908010" y="2055587"/>
+            <a:off x="6943840" y="2088995"/>
             <a:ext cx="1045709" cy="1036948"/>
           </a:xfrm>
           <a:prstGeom prst="bentConnector3">
@@ -4002,7 +4089,7 @@
         </p:nvCxnSpPr>
         <p:spPr>
           <a:xfrm rot="16200000" flipV="1">
-            <a:off x="5915255" y="2085290"/>
+            <a:off x="7951085" y="2118698"/>
             <a:ext cx="1045709" cy="977542"/>
           </a:xfrm>
           <a:prstGeom prst="bentConnector3">
@@ -4050,7 +4137,7 @@
         </p:nvCxnSpPr>
         <p:spPr>
           <a:xfrm rot="16200000" flipV="1">
-            <a:off x="6922545" y="1077999"/>
+            <a:off x="8958375" y="1111407"/>
             <a:ext cx="1045618" cy="2992032"/>
           </a:xfrm>
           <a:prstGeom prst="bentConnector3">
@@ -4094,8 +4181,8 @@
         </p:nvSpPr>
         <p:spPr>
           <a:xfrm>
-            <a:off x="-16290" y="6141883"/>
-            <a:ext cx="12208289" cy="584775"/>
+            <a:off x="-16289" y="6003031"/>
+            <a:ext cx="12208289" cy="830997"/>
           </a:xfrm>
           <a:prstGeom prst="rect">
             <a:avLst/>
@@ -4110,7 +4197,7 @@
           <a:p>
             <a:r>
               <a:rPr lang="en-US" sz="1600" dirty="0"/>
-              <a:t>In the </a:t>
+              <a:t>For this project, we will have users that will access our web application and favorite people, specifically pitchers, within the </a:t>
             </a:r>
             <a:r>
               <a:rPr lang="en-US" sz="1600" dirty="0" err="1"/>
@@ -4118,7 +4205,23 @@
             </a:r>
             <a:r>
               <a:rPr lang="en-US" sz="1600" dirty="0"/>
-              <a:t> database, all people are categorized into pitchers, batters, fielders, and managers. Individual players can be sorted into more than 1 category.</a:t>
+              <a:t> database. Both users and favorites are new entities we add to our existing </a:t>
+            </a:r>
+            <a:r>
+              <a:rPr lang="en-US" sz="1600" dirty="0" err="1"/>
+              <a:t>Lahman</a:t>
+            </a:r>
+            <a:r>
+              <a:rPr lang="en-US" sz="1600" dirty="0"/>
+              <a:t> database. Inherently in the </a:t>
+            </a:r>
+            <a:r>
+              <a:rPr lang="en-US" sz="1600" dirty="0" err="1"/>
+              <a:t>Lahman</a:t>
+            </a:r>
+            <a:r>
+              <a:rPr lang="en-US" sz="1600" dirty="0"/>
+              <a:t> database, all people are categorized into pitchers, batters, fielders, and managers. Individual players can be sorted into more than 1 category. </a:t>
             </a:r>
           </a:p>
         </p:txBody>
@@ -4137,7 +4240,7 @@
         </p:nvSpPr>
         <p:spPr>
           <a:xfrm>
-            <a:off x="5661241" y="2161224"/>
+            <a:off x="7697071" y="2194632"/>
             <a:ext cx="666709" cy="369332"/>
           </a:xfrm>
           <a:prstGeom prst="rect">
@@ -4158,6 +4261,964 @@
           </a:p>
         </p:txBody>
       </p:sp>
+      <p:sp>
+        <p:nvSpPr>
+          <p:cNvPr id="21" name="Rectangle: Rounded Corners 20">
+            <a:extLst>
+              <a:ext uri="{FF2B5EF4-FFF2-40B4-BE49-F238E27FC236}">
+                <a16:creationId xmlns:a16="http://schemas.microsoft.com/office/drawing/2014/main" id="{625E6055-7C40-48E3-95B8-7D28C46E8BE0}"/>
+              </a:ext>
+            </a:extLst>
+          </p:cNvPr>
+          <p:cNvSpPr/>
+          <p:nvPr/>
+        </p:nvSpPr>
+        <p:spPr>
+          <a:xfrm>
+            <a:off x="426093" y="905167"/>
+            <a:ext cx="1811045" cy="1136342"/>
+          </a:xfrm>
+          <a:prstGeom prst="roundRect">
+            <a:avLst/>
+          </a:prstGeom>
+          <a:noFill/>
+          <a:ln>
+            <a:solidFill>
+              <a:schemeClr val="tx1"/>
+            </a:solidFill>
+          </a:ln>
+        </p:spPr>
+        <p:style>
+          <a:lnRef idx="2">
+            <a:schemeClr val="accent1">
+              <a:shade val="50000"/>
+            </a:schemeClr>
+          </a:lnRef>
+          <a:fillRef idx="1">
+            <a:schemeClr val="accent1"/>
+          </a:fillRef>
+          <a:effectRef idx="0">
+            <a:schemeClr val="accent1"/>
+          </a:effectRef>
+          <a:fontRef idx="minor">
+            <a:schemeClr val="lt1"/>
+          </a:fontRef>
+        </p:style>
+        <p:txBody>
+          <a:bodyPr rtlCol="0" anchor="ctr"/>
+          <a:lstStyle/>
+          <a:p>
+            <a:pPr algn="ctr"/>
+            <a:endParaRPr lang="en-US"/>
+          </a:p>
+        </p:txBody>
+      </p:sp>
+      <p:sp>
+        <p:nvSpPr>
+          <p:cNvPr id="22" name="TextBox 21">
+            <a:extLst>
+              <a:ext uri="{FF2B5EF4-FFF2-40B4-BE49-F238E27FC236}">
+                <a16:creationId xmlns:a16="http://schemas.microsoft.com/office/drawing/2014/main" id="{60BE74FF-C0AB-4E8F-A0F5-5EE2A67408B5}"/>
+              </a:ext>
+            </a:extLst>
+          </p:cNvPr>
+          <p:cNvSpPr txBox="1"/>
+          <p:nvPr/>
+        </p:nvSpPr>
+        <p:spPr>
+          <a:xfrm>
+            <a:off x="426094" y="1222999"/>
+            <a:ext cx="1811044" cy="369332"/>
+          </a:xfrm>
+          <a:prstGeom prst="rect">
+            <a:avLst/>
+          </a:prstGeom>
+          <a:noFill/>
+        </p:spPr>
+        <p:txBody>
+          <a:bodyPr wrap="square" rtlCol="0">
+            <a:spAutoFit/>
+          </a:bodyPr>
+          <a:lstStyle/>
+          <a:p>
+            <a:pPr algn="ctr"/>
+            <a:r>
+              <a:rPr lang="en-US" dirty="0"/>
+              <a:t>users</a:t>
+            </a:r>
+          </a:p>
+        </p:txBody>
+      </p:sp>
+      <p:sp>
+        <p:nvSpPr>
+          <p:cNvPr id="2" name="Diamond 1">
+            <a:extLst>
+              <a:ext uri="{FF2B5EF4-FFF2-40B4-BE49-F238E27FC236}">
+                <a16:creationId xmlns:a16="http://schemas.microsoft.com/office/drawing/2014/main" id="{C97C58EC-E39F-448C-91C6-9AFB83FBFAC8}"/>
+              </a:ext>
+            </a:extLst>
+          </p:cNvPr>
+          <p:cNvSpPr/>
+          <p:nvPr/>
+        </p:nvSpPr>
+        <p:spPr>
+          <a:xfrm>
+            <a:off x="3930056" y="758366"/>
+            <a:ext cx="1456671" cy="1298598"/>
+          </a:xfrm>
+          <a:prstGeom prst="diamond">
+            <a:avLst/>
+          </a:prstGeom>
+          <a:noFill/>
+          <a:ln>
+            <a:solidFill>
+              <a:schemeClr val="tx1"/>
+            </a:solidFill>
+          </a:ln>
+        </p:spPr>
+        <p:style>
+          <a:lnRef idx="2">
+            <a:schemeClr val="accent1">
+              <a:shade val="50000"/>
+            </a:schemeClr>
+          </a:lnRef>
+          <a:fillRef idx="1">
+            <a:schemeClr val="accent1"/>
+          </a:fillRef>
+          <a:effectRef idx="0">
+            <a:schemeClr val="accent1"/>
+          </a:effectRef>
+          <a:fontRef idx="minor">
+            <a:schemeClr val="lt1"/>
+          </a:fontRef>
+        </p:style>
+        <p:txBody>
+          <a:bodyPr rtlCol="0" anchor="ctr"/>
+          <a:lstStyle/>
+          <a:p>
+            <a:pPr algn="ctr"/>
+            <a:endParaRPr lang="en-US"/>
+          </a:p>
+        </p:txBody>
+      </p:sp>
+      <p:cxnSp>
+        <p:nvCxnSpPr>
+          <p:cNvPr id="4" name="Straight Connector 3">
+            <a:extLst>
+              <a:ext uri="{FF2B5EF4-FFF2-40B4-BE49-F238E27FC236}">
+                <a16:creationId xmlns:a16="http://schemas.microsoft.com/office/drawing/2014/main" id="{60988137-5093-428C-B2EE-3D9AF2941B03}"/>
+              </a:ext>
+            </a:extLst>
+          </p:cNvPr>
+          <p:cNvCxnSpPr>
+            <a:stCxn id="22" idx="3"/>
+            <a:endCxn id="2" idx="1"/>
+          </p:cNvCxnSpPr>
+          <p:nvPr/>
+        </p:nvCxnSpPr>
+        <p:spPr>
+          <a:xfrm>
+            <a:off x="2237138" y="1407665"/>
+            <a:ext cx="1692918" cy="0"/>
+          </a:xfrm>
+          <a:prstGeom prst="line">
+            <a:avLst/>
+          </a:prstGeom>
+        </p:spPr>
+        <p:style>
+          <a:lnRef idx="1">
+            <a:schemeClr val="dk1"/>
+          </a:lnRef>
+          <a:fillRef idx="0">
+            <a:schemeClr val="dk1"/>
+          </a:fillRef>
+          <a:effectRef idx="0">
+            <a:schemeClr val="dk1"/>
+          </a:effectRef>
+          <a:fontRef idx="minor">
+            <a:schemeClr val="tx1"/>
+          </a:fontRef>
+        </p:style>
+      </p:cxnSp>
+      <p:cxnSp>
+        <p:nvCxnSpPr>
+          <p:cNvPr id="14" name="Straight Connector 13">
+            <a:extLst>
+              <a:ext uri="{FF2B5EF4-FFF2-40B4-BE49-F238E27FC236}">
+                <a16:creationId xmlns:a16="http://schemas.microsoft.com/office/drawing/2014/main" id="{C6C1B1BD-F75B-444A-B4DB-296935858A13}"/>
+              </a:ext>
+            </a:extLst>
+          </p:cNvPr>
+          <p:cNvCxnSpPr>
+            <a:stCxn id="2" idx="3"/>
+            <a:endCxn id="16" idx="1"/>
+          </p:cNvCxnSpPr>
+          <p:nvPr/>
+        </p:nvCxnSpPr>
+        <p:spPr>
+          <a:xfrm>
+            <a:off x="5386727" y="1407665"/>
+            <a:ext cx="1692918" cy="17951"/>
+          </a:xfrm>
+          <a:prstGeom prst="line">
+            <a:avLst/>
+          </a:prstGeom>
+        </p:spPr>
+        <p:style>
+          <a:lnRef idx="1">
+            <a:schemeClr val="dk1"/>
+          </a:lnRef>
+          <a:fillRef idx="0">
+            <a:schemeClr val="dk1"/>
+          </a:fillRef>
+          <a:effectRef idx="0">
+            <a:schemeClr val="dk1"/>
+          </a:effectRef>
+          <a:fontRef idx="minor">
+            <a:schemeClr val="tx1"/>
+          </a:fontRef>
+        </p:style>
+      </p:cxnSp>
+      <p:sp>
+        <p:nvSpPr>
+          <p:cNvPr id="36" name="TextBox 35">
+            <a:extLst>
+              <a:ext uri="{FF2B5EF4-FFF2-40B4-BE49-F238E27FC236}">
+                <a16:creationId xmlns:a16="http://schemas.microsoft.com/office/drawing/2014/main" id="{D96ABC66-1ACE-40CA-B7EC-56EB980DFD54}"/>
+              </a:ext>
+            </a:extLst>
+          </p:cNvPr>
+          <p:cNvSpPr txBox="1"/>
+          <p:nvPr/>
+        </p:nvSpPr>
+        <p:spPr>
+          <a:xfrm>
+            <a:off x="3752869" y="1191330"/>
+            <a:ext cx="1811044" cy="369332"/>
+          </a:xfrm>
+          <a:prstGeom prst="rect">
+            <a:avLst/>
+          </a:prstGeom>
+          <a:noFill/>
+        </p:spPr>
+        <p:txBody>
+          <a:bodyPr wrap="square" rtlCol="0">
+            <a:spAutoFit/>
+          </a:bodyPr>
+          <a:lstStyle/>
+          <a:p>
+            <a:pPr algn="ctr"/>
+            <a:r>
+              <a:rPr lang="en-US" dirty="0"/>
+              <a:t>favorite</a:t>
+            </a:r>
+          </a:p>
+        </p:txBody>
+      </p:sp>
+      <p:graphicFrame>
+        <p:nvGraphicFramePr>
+          <p:cNvPr id="41" name="Table 40">
+            <a:extLst>
+              <a:ext uri="{FF2B5EF4-FFF2-40B4-BE49-F238E27FC236}">
+                <a16:creationId xmlns:a16="http://schemas.microsoft.com/office/drawing/2014/main" id="{0326C29A-1EB3-45CD-AFA4-43653D0EEDA5}"/>
+              </a:ext>
+            </a:extLst>
+          </p:cNvPr>
+          <p:cNvGraphicFramePr>
+            <a:graphicFrameLocks noGrp="1"/>
+          </p:cNvGraphicFramePr>
+          <p:nvPr>
+            <p:extLst>
+              <p:ext uri="{D42A27DB-BD31-4B8C-83A1-F6EECF244321}">
+                <p14:modId xmlns:p14="http://schemas.microsoft.com/office/powerpoint/2010/main" val="1326102555"/>
+              </p:ext>
+            </p:extLst>
+          </p:nvPr>
+        </p:nvGraphicFramePr>
+        <p:xfrm>
+          <a:off x="635912" y="2216100"/>
+          <a:ext cx="1329329" cy="748284"/>
+        </p:xfrm>
+        <a:graphic>
+          <a:graphicData uri="http://schemas.openxmlformats.org/drawingml/2006/table">
+            <a:tbl>
+              <a:tblPr firstRow="1" firstCol="1" bandRow="1">
+                <a:tableStyleId>{5C22544A-7EE6-4342-B048-85BDC9FD1C3A}</a:tableStyleId>
+              </a:tblPr>
+              <a:tblGrid>
+                <a:gridCol w="1329329">
+                  <a:extLst>
+                    <a:ext uri="{9D8B030D-6E8A-4147-A177-3AD203B41FA5}">
+                      <a16:colId xmlns:a16="http://schemas.microsoft.com/office/drawing/2014/main" val="367853106"/>
+                    </a:ext>
+                  </a:extLst>
+                </a:gridCol>
+              </a:tblGrid>
+              <a:tr h="181306">
+                <a:tc>
+                  <a:txBody>
+                    <a:bodyPr/>
+                    <a:lstStyle/>
+                    <a:p>
+                      <a:pPr marL="0" marR="0" algn="ctr">
+                        <a:lnSpc>
+                          <a:spcPct val="107000"/>
+                        </a:lnSpc>
+                        <a:spcBef>
+                          <a:spcPts val="0"/>
+                        </a:spcBef>
+                        <a:spcAft>
+                          <a:spcPts val="0"/>
+                        </a:spcAft>
+                      </a:pPr>
+                      <a:r>
+                        <a:rPr lang="en-US" sz="1200" dirty="0">
+                          <a:solidFill>
+                            <a:schemeClr val="tx1"/>
+                          </a:solidFill>
+                          <a:effectLst/>
+                          <a:latin typeface="Calibri" panose="020F0502020204030204" pitchFamily="34" charset="0"/>
+                          <a:ea typeface="Calibri" panose="020F0502020204030204" pitchFamily="34" charset="0"/>
+                          <a:cs typeface="Times New Roman" panose="02020603050405020304" pitchFamily="18" charset="0"/>
+                        </a:rPr>
+                        <a:t>Users</a:t>
+                      </a:r>
+                      <a:endParaRPr lang="en-US" sz="1100" dirty="0">
+                        <a:solidFill>
+                          <a:schemeClr val="tx1"/>
+                        </a:solidFill>
+                        <a:effectLst/>
+                        <a:latin typeface="Calibri" panose="020F0502020204030204" pitchFamily="34" charset="0"/>
+                        <a:ea typeface="Calibri" panose="020F0502020204030204" pitchFamily="34" charset="0"/>
+                        <a:cs typeface="Times New Roman" panose="02020603050405020304" pitchFamily="18" charset="0"/>
+                      </a:endParaRPr>
+                    </a:p>
+                  </a:txBody>
+                  <a:tcPr marL="66466" marR="66466" marT="0" marB="0">
+                    <a:lnL w="12700" cap="flat" cmpd="sng" algn="ctr">
+                      <a:solidFill>
+                        <a:schemeClr val="tx1"/>
+                      </a:solidFill>
+                      <a:prstDash val="solid"/>
+                      <a:round/>
+                      <a:headEnd type="none" w="med" len="med"/>
+                      <a:tailEnd type="none" w="med" len="med"/>
+                    </a:lnL>
+                    <a:lnR w="12700" cap="flat" cmpd="sng" algn="ctr">
+                      <a:solidFill>
+                        <a:schemeClr val="tx1"/>
+                      </a:solidFill>
+                      <a:prstDash val="solid"/>
+                      <a:round/>
+                      <a:headEnd type="none" w="med" len="med"/>
+                      <a:tailEnd type="none" w="med" len="med"/>
+                    </a:lnR>
+                    <a:lnT w="12700" cap="flat" cmpd="sng" algn="ctr">
+                      <a:solidFill>
+                        <a:schemeClr val="tx1"/>
+                      </a:solidFill>
+                      <a:prstDash val="solid"/>
+                      <a:round/>
+                      <a:headEnd type="none" w="med" len="med"/>
+                      <a:tailEnd type="none" w="med" len="med"/>
+                    </a:lnT>
+                    <a:lnB w="12700" cap="flat" cmpd="sng" algn="ctr">
+                      <a:solidFill>
+                        <a:schemeClr val="tx1"/>
+                      </a:solidFill>
+                      <a:prstDash val="solid"/>
+                      <a:round/>
+                      <a:headEnd type="none" w="med" len="med"/>
+                      <a:tailEnd type="none" w="med" len="med"/>
+                    </a:lnB>
+                    <a:solidFill>
+                      <a:schemeClr val="bg1">
+                        <a:lumMod val="85000"/>
+                      </a:schemeClr>
+                    </a:solidFill>
+                  </a:tcPr>
+                </a:tc>
+                <a:extLst>
+                  <a:ext uri="{0D108BD9-81ED-4DB2-BD59-A6C34878D82A}">
+                    <a16:rowId xmlns:a16="http://schemas.microsoft.com/office/drawing/2014/main" val="1416855876"/>
+                  </a:ext>
+                </a:extLst>
+              </a:tr>
+              <a:tr h="181306">
+                <a:tc>
+                  <a:txBody>
+                    <a:bodyPr/>
+                    <a:lstStyle/>
+                    <a:p>
+                      <a:pPr marL="40005" marR="0" algn="ctr">
+                        <a:lnSpc>
+                          <a:spcPct val="107000"/>
+                        </a:lnSpc>
+                        <a:spcBef>
+                          <a:spcPts val="0"/>
+                        </a:spcBef>
+                        <a:spcAft>
+                          <a:spcPts val="0"/>
+                        </a:spcAft>
+                      </a:pPr>
+                      <a:r>
+                        <a:rPr lang="en-US" sz="1200" b="0" u="sng" dirty="0">
+                          <a:solidFill>
+                            <a:schemeClr val="tx1"/>
+                          </a:solidFill>
+                          <a:effectLst/>
+                          <a:latin typeface="Calibri" panose="020F0502020204030204" pitchFamily="34" charset="0"/>
+                          <a:ea typeface="Calibri" panose="020F0502020204030204" pitchFamily="34" charset="0"/>
+                          <a:cs typeface="Times New Roman" panose="02020603050405020304" pitchFamily="18" charset="0"/>
+                        </a:rPr>
+                        <a:t>ID</a:t>
+                      </a:r>
+                      <a:endParaRPr lang="en-US" sz="1100" b="0" u="sng" dirty="0">
+                        <a:solidFill>
+                          <a:schemeClr val="tx1"/>
+                        </a:solidFill>
+                        <a:effectLst/>
+                        <a:latin typeface="Calibri" panose="020F0502020204030204" pitchFamily="34" charset="0"/>
+                        <a:ea typeface="Calibri" panose="020F0502020204030204" pitchFamily="34" charset="0"/>
+                        <a:cs typeface="Times New Roman" panose="02020603050405020304" pitchFamily="18" charset="0"/>
+                      </a:endParaRPr>
+                    </a:p>
+                  </a:txBody>
+                  <a:tcPr marL="66466" marR="66466" marT="0" marB="0">
+                    <a:lnL w="12700" cap="flat" cmpd="sng" algn="ctr">
+                      <a:solidFill>
+                        <a:schemeClr val="tx1"/>
+                      </a:solidFill>
+                      <a:prstDash val="solid"/>
+                      <a:round/>
+                      <a:headEnd type="none" w="med" len="med"/>
+                      <a:tailEnd type="none" w="med" len="med"/>
+                    </a:lnL>
+                    <a:lnR w="12700" cap="flat" cmpd="sng" algn="ctr">
+                      <a:solidFill>
+                        <a:schemeClr val="tx1"/>
+                      </a:solidFill>
+                      <a:prstDash val="solid"/>
+                      <a:round/>
+                      <a:headEnd type="none" w="med" len="med"/>
+                      <a:tailEnd type="none" w="med" len="med"/>
+                    </a:lnR>
+                    <a:lnT w="12700" cap="flat" cmpd="sng" algn="ctr">
+                      <a:solidFill>
+                        <a:schemeClr val="tx1"/>
+                      </a:solidFill>
+                      <a:prstDash val="solid"/>
+                      <a:round/>
+                      <a:headEnd type="none" w="med" len="med"/>
+                      <a:tailEnd type="none" w="med" len="med"/>
+                    </a:lnT>
+                    <a:lnB w="12700" cap="flat" cmpd="sng" algn="ctr">
+                      <a:solidFill>
+                        <a:schemeClr val="tx1"/>
+                      </a:solidFill>
+                      <a:prstDash val="solid"/>
+                      <a:round/>
+                      <a:headEnd type="none" w="med" len="med"/>
+                      <a:tailEnd type="none" w="med" len="med"/>
+                    </a:lnB>
+                    <a:solidFill>
+                      <a:schemeClr val="bg1">
+                        <a:lumMod val="85000"/>
+                      </a:schemeClr>
+                    </a:solidFill>
+                  </a:tcPr>
+                </a:tc>
+                <a:extLst>
+                  <a:ext uri="{0D108BD9-81ED-4DB2-BD59-A6C34878D82A}">
+                    <a16:rowId xmlns:a16="http://schemas.microsoft.com/office/drawing/2014/main" val="3461335968"/>
+                  </a:ext>
+                </a:extLst>
+              </a:tr>
+              <a:tr h="181306">
+                <a:tc>
+                  <a:txBody>
+                    <a:bodyPr/>
+                    <a:lstStyle/>
+                    <a:p>
+                      <a:pPr marL="0" marR="0" algn="ctr">
+                        <a:lnSpc>
+                          <a:spcPct val="107000"/>
+                        </a:lnSpc>
+                        <a:spcBef>
+                          <a:spcPts val="0"/>
+                        </a:spcBef>
+                        <a:spcAft>
+                          <a:spcPts val="0"/>
+                        </a:spcAft>
+                      </a:pPr>
+                      <a:r>
+                        <a:rPr lang="en-US" sz="1200" b="0" dirty="0">
+                          <a:solidFill>
+                            <a:schemeClr val="tx1"/>
+                          </a:solidFill>
+                          <a:effectLst/>
+                        </a:rPr>
+                        <a:t>username</a:t>
+                      </a:r>
+                      <a:endParaRPr lang="en-US" sz="1100" b="0" dirty="0">
+                        <a:solidFill>
+                          <a:schemeClr val="tx1"/>
+                        </a:solidFill>
+                        <a:effectLst/>
+                        <a:latin typeface="Calibri" panose="020F0502020204030204" pitchFamily="34" charset="0"/>
+                        <a:ea typeface="Calibri" panose="020F0502020204030204" pitchFamily="34" charset="0"/>
+                        <a:cs typeface="Times New Roman" panose="02020603050405020304" pitchFamily="18" charset="0"/>
+                      </a:endParaRPr>
+                    </a:p>
+                  </a:txBody>
+                  <a:tcPr marL="66466" marR="66466" marT="0" marB="0">
+                    <a:lnL w="12700" cap="flat" cmpd="sng" algn="ctr">
+                      <a:solidFill>
+                        <a:schemeClr val="tx1"/>
+                      </a:solidFill>
+                      <a:prstDash val="solid"/>
+                      <a:round/>
+                      <a:headEnd type="none" w="med" len="med"/>
+                      <a:tailEnd type="none" w="med" len="med"/>
+                    </a:lnL>
+                    <a:lnR w="12700" cap="flat" cmpd="sng" algn="ctr">
+                      <a:solidFill>
+                        <a:schemeClr val="tx1"/>
+                      </a:solidFill>
+                      <a:prstDash val="solid"/>
+                      <a:round/>
+                      <a:headEnd type="none" w="med" len="med"/>
+                      <a:tailEnd type="none" w="med" len="med"/>
+                    </a:lnR>
+                    <a:lnT w="12700" cap="flat" cmpd="sng" algn="ctr">
+                      <a:solidFill>
+                        <a:schemeClr val="tx1"/>
+                      </a:solidFill>
+                      <a:prstDash val="solid"/>
+                      <a:round/>
+                      <a:headEnd type="none" w="med" len="med"/>
+                      <a:tailEnd type="none" w="med" len="med"/>
+                    </a:lnT>
+                    <a:lnB w="12700" cap="flat" cmpd="sng" algn="ctr">
+                      <a:solidFill>
+                        <a:schemeClr val="tx1"/>
+                      </a:solidFill>
+                      <a:prstDash val="solid"/>
+                      <a:round/>
+                      <a:headEnd type="none" w="med" len="med"/>
+                      <a:tailEnd type="none" w="med" len="med"/>
+                    </a:lnB>
+                    <a:solidFill>
+                      <a:schemeClr val="bg1">
+                        <a:lumMod val="85000"/>
+                      </a:schemeClr>
+                    </a:solidFill>
+                  </a:tcPr>
+                </a:tc>
+                <a:extLst>
+                  <a:ext uri="{0D108BD9-81ED-4DB2-BD59-A6C34878D82A}">
+                    <a16:rowId xmlns:a16="http://schemas.microsoft.com/office/drawing/2014/main" val="269878394"/>
+                  </a:ext>
+                </a:extLst>
+              </a:tr>
+              <a:tr h="181306">
+                <a:tc>
+                  <a:txBody>
+                    <a:bodyPr/>
+                    <a:lstStyle/>
+                    <a:p>
+                      <a:pPr marL="0" marR="0" algn="ctr">
+                        <a:lnSpc>
+                          <a:spcPct val="107000"/>
+                        </a:lnSpc>
+                        <a:spcBef>
+                          <a:spcPts val="0"/>
+                        </a:spcBef>
+                        <a:spcAft>
+                          <a:spcPts val="0"/>
+                        </a:spcAft>
+                      </a:pPr>
+                      <a:r>
+                        <a:rPr lang="en-US" sz="1200" b="0" dirty="0" err="1">
+                          <a:solidFill>
+                            <a:schemeClr val="tx1"/>
+                          </a:solidFill>
+                          <a:effectLst/>
+                        </a:rPr>
+                        <a:t>password_hash</a:t>
+                      </a:r>
+                      <a:endParaRPr lang="en-US" sz="1100" b="0" dirty="0">
+                        <a:solidFill>
+                          <a:schemeClr val="tx1"/>
+                        </a:solidFill>
+                        <a:effectLst/>
+                        <a:latin typeface="Calibri" panose="020F0502020204030204" pitchFamily="34" charset="0"/>
+                        <a:ea typeface="Calibri" panose="020F0502020204030204" pitchFamily="34" charset="0"/>
+                        <a:cs typeface="Times New Roman" panose="02020603050405020304" pitchFamily="18" charset="0"/>
+                      </a:endParaRPr>
+                    </a:p>
+                  </a:txBody>
+                  <a:tcPr marL="66466" marR="66466" marT="0" marB="0">
+                    <a:lnL w="12700" cap="flat" cmpd="sng" algn="ctr">
+                      <a:solidFill>
+                        <a:schemeClr val="tx1"/>
+                      </a:solidFill>
+                      <a:prstDash val="solid"/>
+                      <a:round/>
+                      <a:headEnd type="none" w="med" len="med"/>
+                      <a:tailEnd type="none" w="med" len="med"/>
+                    </a:lnL>
+                    <a:lnR w="12700" cap="flat" cmpd="sng" algn="ctr">
+                      <a:solidFill>
+                        <a:schemeClr val="tx1"/>
+                      </a:solidFill>
+                      <a:prstDash val="solid"/>
+                      <a:round/>
+                      <a:headEnd type="none" w="med" len="med"/>
+                      <a:tailEnd type="none" w="med" len="med"/>
+                    </a:lnR>
+                    <a:lnT w="12700" cap="flat" cmpd="sng" algn="ctr">
+                      <a:solidFill>
+                        <a:schemeClr val="tx1"/>
+                      </a:solidFill>
+                      <a:prstDash val="solid"/>
+                      <a:round/>
+                      <a:headEnd type="none" w="med" len="med"/>
+                      <a:tailEnd type="none" w="med" len="med"/>
+                    </a:lnT>
+                    <a:lnB w="12700" cap="flat" cmpd="sng" algn="ctr">
+                      <a:solidFill>
+                        <a:schemeClr val="tx1"/>
+                      </a:solidFill>
+                      <a:prstDash val="solid"/>
+                      <a:round/>
+                      <a:headEnd type="none" w="med" len="med"/>
+                      <a:tailEnd type="none" w="med" len="med"/>
+                    </a:lnB>
+                    <a:solidFill>
+                      <a:schemeClr val="bg1">
+                        <a:lumMod val="85000"/>
+                      </a:schemeClr>
+                    </a:solidFill>
+                  </a:tcPr>
+                </a:tc>
+                <a:extLst>
+                  <a:ext uri="{0D108BD9-81ED-4DB2-BD59-A6C34878D82A}">
+                    <a16:rowId xmlns:a16="http://schemas.microsoft.com/office/drawing/2014/main" val="987908453"/>
+                  </a:ext>
+                </a:extLst>
+              </a:tr>
+            </a:tbl>
+          </a:graphicData>
+        </a:graphic>
+      </p:graphicFrame>
+      <p:graphicFrame>
+        <p:nvGraphicFramePr>
+          <p:cNvPr id="42" name="Table 41">
+            <a:extLst>
+              <a:ext uri="{FF2B5EF4-FFF2-40B4-BE49-F238E27FC236}">
+                <a16:creationId xmlns:a16="http://schemas.microsoft.com/office/drawing/2014/main" id="{D44F5972-BE17-425F-B567-5F4DFBC33116}"/>
+              </a:ext>
+            </a:extLst>
+          </p:cNvPr>
+          <p:cNvGraphicFramePr>
+            <a:graphicFrameLocks noGrp="1"/>
+          </p:cNvGraphicFramePr>
+          <p:nvPr>
+            <p:extLst>
+              <p:ext uri="{D42A27DB-BD31-4B8C-83A1-F6EECF244321}">
+                <p14:modId xmlns:p14="http://schemas.microsoft.com/office/powerpoint/2010/main" val="572861046"/>
+              </p:ext>
+            </p:extLst>
+          </p:nvPr>
+        </p:nvGraphicFramePr>
+        <p:xfrm>
+          <a:off x="4012292" y="112908"/>
+          <a:ext cx="1329329" cy="561213"/>
+        </p:xfrm>
+        <a:graphic>
+          <a:graphicData uri="http://schemas.openxmlformats.org/drawingml/2006/table">
+            <a:tbl>
+              <a:tblPr firstRow="1" firstCol="1" bandRow="1">
+                <a:tableStyleId>{5C22544A-7EE6-4342-B048-85BDC9FD1C3A}</a:tableStyleId>
+              </a:tblPr>
+              <a:tblGrid>
+                <a:gridCol w="1329329">
+                  <a:extLst>
+                    <a:ext uri="{9D8B030D-6E8A-4147-A177-3AD203B41FA5}">
+                      <a16:colId xmlns:a16="http://schemas.microsoft.com/office/drawing/2014/main" val="367853106"/>
+                    </a:ext>
+                  </a:extLst>
+                </a:gridCol>
+              </a:tblGrid>
+              <a:tr h="181306">
+                <a:tc>
+                  <a:txBody>
+                    <a:bodyPr/>
+                    <a:lstStyle/>
+                    <a:p>
+                      <a:pPr marL="0" marR="0" algn="ctr">
+                        <a:lnSpc>
+                          <a:spcPct val="107000"/>
+                        </a:lnSpc>
+                        <a:spcBef>
+                          <a:spcPts val="0"/>
+                        </a:spcBef>
+                        <a:spcAft>
+                          <a:spcPts val="0"/>
+                        </a:spcAft>
+                      </a:pPr>
+                      <a:r>
+                        <a:rPr lang="en-US" sz="1200" dirty="0">
+                          <a:solidFill>
+                            <a:schemeClr val="tx1"/>
+                          </a:solidFill>
+                          <a:effectLst/>
+                          <a:latin typeface="Calibri" panose="020F0502020204030204" pitchFamily="34" charset="0"/>
+                          <a:ea typeface="Calibri" panose="020F0502020204030204" pitchFamily="34" charset="0"/>
+                          <a:cs typeface="Times New Roman" panose="02020603050405020304" pitchFamily="18" charset="0"/>
+                        </a:rPr>
+                        <a:t>Favorites</a:t>
+                      </a:r>
+                      <a:endParaRPr lang="en-US" sz="1100" dirty="0">
+                        <a:solidFill>
+                          <a:schemeClr val="tx1"/>
+                        </a:solidFill>
+                        <a:effectLst/>
+                        <a:latin typeface="Calibri" panose="020F0502020204030204" pitchFamily="34" charset="0"/>
+                        <a:ea typeface="Calibri" panose="020F0502020204030204" pitchFamily="34" charset="0"/>
+                        <a:cs typeface="Times New Roman" panose="02020603050405020304" pitchFamily="18" charset="0"/>
+                      </a:endParaRPr>
+                    </a:p>
+                  </a:txBody>
+                  <a:tcPr marL="66466" marR="66466" marT="0" marB="0">
+                    <a:lnL w="12700" cap="flat" cmpd="sng" algn="ctr">
+                      <a:solidFill>
+                        <a:schemeClr val="tx1"/>
+                      </a:solidFill>
+                      <a:prstDash val="solid"/>
+                      <a:round/>
+                      <a:headEnd type="none" w="med" len="med"/>
+                      <a:tailEnd type="none" w="med" len="med"/>
+                    </a:lnL>
+                    <a:lnR w="12700" cap="flat" cmpd="sng" algn="ctr">
+                      <a:solidFill>
+                        <a:schemeClr val="tx1"/>
+                      </a:solidFill>
+                      <a:prstDash val="solid"/>
+                      <a:round/>
+                      <a:headEnd type="none" w="med" len="med"/>
+                      <a:tailEnd type="none" w="med" len="med"/>
+                    </a:lnR>
+                    <a:lnT w="12700" cap="flat" cmpd="sng" algn="ctr">
+                      <a:solidFill>
+                        <a:schemeClr val="tx1"/>
+                      </a:solidFill>
+                      <a:prstDash val="solid"/>
+                      <a:round/>
+                      <a:headEnd type="none" w="med" len="med"/>
+                      <a:tailEnd type="none" w="med" len="med"/>
+                    </a:lnT>
+                    <a:lnB w="12700" cap="flat" cmpd="sng" algn="ctr">
+                      <a:solidFill>
+                        <a:schemeClr val="tx1"/>
+                      </a:solidFill>
+                      <a:prstDash val="solid"/>
+                      <a:round/>
+                      <a:headEnd type="none" w="med" len="med"/>
+                      <a:tailEnd type="none" w="med" len="med"/>
+                    </a:lnB>
+                    <a:solidFill>
+                      <a:schemeClr val="bg1">
+                        <a:lumMod val="85000"/>
+                      </a:schemeClr>
+                    </a:solidFill>
+                  </a:tcPr>
+                </a:tc>
+                <a:extLst>
+                  <a:ext uri="{0D108BD9-81ED-4DB2-BD59-A6C34878D82A}">
+                    <a16:rowId xmlns:a16="http://schemas.microsoft.com/office/drawing/2014/main" val="1416855876"/>
+                  </a:ext>
+                </a:extLst>
+              </a:tr>
+              <a:tr h="181306">
+                <a:tc>
+                  <a:txBody>
+                    <a:bodyPr/>
+                    <a:lstStyle/>
+                    <a:p>
+                      <a:pPr marL="40005" marR="0" algn="ctr">
+                        <a:lnSpc>
+                          <a:spcPct val="107000"/>
+                        </a:lnSpc>
+                        <a:spcBef>
+                          <a:spcPts val="0"/>
+                        </a:spcBef>
+                        <a:spcAft>
+                          <a:spcPts val="0"/>
+                        </a:spcAft>
+                      </a:pPr>
+                      <a:r>
+                        <a:rPr lang="en-US" sz="1200" b="0" u="sng" dirty="0" err="1">
+                          <a:solidFill>
+                            <a:schemeClr val="tx1"/>
+                          </a:solidFill>
+                          <a:effectLst/>
+                        </a:rPr>
+                        <a:t>userID</a:t>
+                      </a:r>
+                      <a:endParaRPr lang="en-US" sz="1100" b="0" u="sng" dirty="0">
+                        <a:solidFill>
+                          <a:schemeClr val="tx1"/>
+                        </a:solidFill>
+                        <a:effectLst/>
+                        <a:latin typeface="Calibri" panose="020F0502020204030204" pitchFamily="34" charset="0"/>
+                        <a:ea typeface="Calibri" panose="020F0502020204030204" pitchFamily="34" charset="0"/>
+                        <a:cs typeface="Times New Roman" panose="02020603050405020304" pitchFamily="18" charset="0"/>
+                      </a:endParaRPr>
+                    </a:p>
+                  </a:txBody>
+                  <a:tcPr marL="66466" marR="66466" marT="0" marB="0">
+                    <a:lnL w="12700" cap="flat" cmpd="sng" algn="ctr">
+                      <a:solidFill>
+                        <a:schemeClr val="tx1"/>
+                      </a:solidFill>
+                      <a:prstDash val="solid"/>
+                      <a:round/>
+                      <a:headEnd type="none" w="med" len="med"/>
+                      <a:tailEnd type="none" w="med" len="med"/>
+                    </a:lnL>
+                    <a:lnR w="12700" cap="flat" cmpd="sng" algn="ctr">
+                      <a:solidFill>
+                        <a:schemeClr val="tx1"/>
+                      </a:solidFill>
+                      <a:prstDash val="solid"/>
+                      <a:round/>
+                      <a:headEnd type="none" w="med" len="med"/>
+                      <a:tailEnd type="none" w="med" len="med"/>
+                    </a:lnR>
+                    <a:lnT w="12700" cap="flat" cmpd="sng" algn="ctr">
+                      <a:solidFill>
+                        <a:schemeClr val="tx1"/>
+                      </a:solidFill>
+                      <a:prstDash val="solid"/>
+                      <a:round/>
+                      <a:headEnd type="none" w="med" len="med"/>
+                      <a:tailEnd type="none" w="med" len="med"/>
+                    </a:lnT>
+                    <a:lnB w="12700" cap="flat" cmpd="sng" algn="ctr">
+                      <a:solidFill>
+                        <a:schemeClr val="tx1"/>
+                      </a:solidFill>
+                      <a:prstDash val="solid"/>
+                      <a:round/>
+                      <a:headEnd type="none" w="med" len="med"/>
+                      <a:tailEnd type="none" w="med" len="med"/>
+                    </a:lnB>
+                    <a:solidFill>
+                      <a:schemeClr val="bg1">
+                        <a:lumMod val="85000"/>
+                      </a:schemeClr>
+                    </a:solidFill>
+                  </a:tcPr>
+                </a:tc>
+                <a:extLst>
+                  <a:ext uri="{0D108BD9-81ED-4DB2-BD59-A6C34878D82A}">
+                    <a16:rowId xmlns:a16="http://schemas.microsoft.com/office/drawing/2014/main" val="3461335968"/>
+                  </a:ext>
+                </a:extLst>
+              </a:tr>
+              <a:tr h="181306">
+                <a:tc>
+                  <a:txBody>
+                    <a:bodyPr/>
+                    <a:lstStyle/>
+                    <a:p>
+                      <a:pPr marL="0" marR="0" algn="ctr">
+                        <a:lnSpc>
+                          <a:spcPct val="107000"/>
+                        </a:lnSpc>
+                        <a:spcBef>
+                          <a:spcPts val="0"/>
+                        </a:spcBef>
+                        <a:spcAft>
+                          <a:spcPts val="0"/>
+                        </a:spcAft>
+                      </a:pPr>
+                      <a:r>
+                        <a:rPr lang="en-US" sz="1200" b="0" u="sng" dirty="0">
+                          <a:solidFill>
+                            <a:schemeClr val="tx1"/>
+                          </a:solidFill>
+                          <a:effectLst/>
+                        </a:rPr>
+                        <a:t>playerID</a:t>
+                      </a:r>
+                      <a:endParaRPr lang="en-US" sz="1100" b="0" u="sng" dirty="0">
+                        <a:solidFill>
+                          <a:schemeClr val="tx1"/>
+                        </a:solidFill>
+                        <a:effectLst/>
+                        <a:latin typeface="Calibri" panose="020F0502020204030204" pitchFamily="34" charset="0"/>
+                        <a:ea typeface="Calibri" panose="020F0502020204030204" pitchFamily="34" charset="0"/>
+                        <a:cs typeface="Times New Roman" panose="02020603050405020304" pitchFamily="18" charset="0"/>
+                      </a:endParaRPr>
+                    </a:p>
+                  </a:txBody>
+                  <a:tcPr marL="66466" marR="66466" marT="0" marB="0">
+                    <a:lnL w="12700" cap="flat" cmpd="sng" algn="ctr">
+                      <a:solidFill>
+                        <a:schemeClr val="tx1"/>
+                      </a:solidFill>
+                      <a:prstDash val="solid"/>
+                      <a:round/>
+                      <a:headEnd type="none" w="med" len="med"/>
+                      <a:tailEnd type="none" w="med" len="med"/>
+                    </a:lnL>
+                    <a:lnR w="12700" cap="flat" cmpd="sng" algn="ctr">
+                      <a:solidFill>
+                        <a:schemeClr val="tx1"/>
+                      </a:solidFill>
+                      <a:prstDash val="solid"/>
+                      <a:round/>
+                      <a:headEnd type="none" w="med" len="med"/>
+                      <a:tailEnd type="none" w="med" len="med"/>
+                    </a:lnR>
+                    <a:lnT w="12700" cap="flat" cmpd="sng" algn="ctr">
+                      <a:solidFill>
+                        <a:schemeClr val="tx1"/>
+                      </a:solidFill>
+                      <a:prstDash val="solid"/>
+                      <a:round/>
+                      <a:headEnd type="none" w="med" len="med"/>
+                      <a:tailEnd type="none" w="med" len="med"/>
+                    </a:lnT>
+                    <a:lnB w="12700" cap="flat" cmpd="sng" algn="ctr">
+                      <a:solidFill>
+                        <a:schemeClr val="tx1"/>
+                      </a:solidFill>
+                      <a:prstDash val="solid"/>
+                      <a:round/>
+                      <a:headEnd type="none" w="med" len="med"/>
+                      <a:tailEnd type="none" w="med" len="med"/>
+                    </a:lnB>
+                    <a:solidFill>
+                      <a:schemeClr val="bg1">
+                        <a:lumMod val="85000"/>
+                      </a:schemeClr>
+                    </a:solidFill>
+                  </a:tcPr>
+                </a:tc>
+                <a:extLst>
+                  <a:ext uri="{0D108BD9-81ED-4DB2-BD59-A6C34878D82A}">
+                    <a16:rowId xmlns:a16="http://schemas.microsoft.com/office/drawing/2014/main" val="269878394"/>
+                  </a:ext>
+                </a:extLst>
+              </a:tr>
+            </a:tbl>
+          </a:graphicData>
+        </a:graphic>
+      </p:graphicFrame>
     </p:spTree>
     <p:extLst>
       <p:ext uri="{BB962C8B-B14F-4D97-AF65-F5344CB8AC3E}">
@@ -4171,7 +5232,7 @@
 </p:sld>
 </file>
 
-<file path=ppt/slides/slide2.xml><?xml version="1.0" encoding="utf-8"?>
+<file path=ppt/slides/slide3.xml><?xml version="1.0" encoding="utf-8"?>
 <p:sld xmlns:a="http://schemas.openxmlformats.org/drawingml/2006/main" xmlns:r="http://schemas.openxmlformats.org/officeDocument/2006/relationships" xmlns:p="http://schemas.openxmlformats.org/presentationml/2006/main">
   <p:cSld>
     <p:spTree>
@@ -4988,7 +6049,7 @@
 </p:sld>
 </file>
 
-<file path=ppt/slides/slide3.xml><?xml version="1.0" encoding="utf-8"?>
+<file path=ppt/slides/slide4.xml><?xml version="1.0" encoding="utf-8"?>
 <p:sld xmlns:a="http://schemas.openxmlformats.org/drawingml/2006/main" xmlns:r="http://schemas.openxmlformats.org/officeDocument/2006/relationships" xmlns:p="http://schemas.openxmlformats.org/presentationml/2006/main">
   <p:cSld>
     <p:spTree>
@@ -15205,7 +16266,7 @@
 </p:sld>
 </file>
 
-<file path=ppt/slides/slide4.xml><?xml version="1.0" encoding="utf-8"?>
+<file path=ppt/slides/slide5.xml><?xml version="1.0" encoding="utf-8"?>
 <p:sld xmlns:a="http://schemas.openxmlformats.org/drawingml/2006/main" xmlns:r="http://schemas.openxmlformats.org/officeDocument/2006/relationships" xmlns:p="http://schemas.openxmlformats.org/presentationml/2006/main">
   <p:cSld>
     <p:spTree>
@@ -15856,7 +16917,7 @@
 </p:sld>
 </file>
 
-<file path=ppt/slides/slide5.xml><?xml version="1.0" encoding="utf-8"?>
+<file path=ppt/slides/slide6.xml><?xml version="1.0" encoding="utf-8"?>
 <p:sld xmlns:a="http://schemas.openxmlformats.org/drawingml/2006/main" xmlns:r="http://schemas.openxmlformats.org/officeDocument/2006/relationships" xmlns:p="http://schemas.openxmlformats.org/presentationml/2006/main">
   <p:cSld>
     <p:spTree>
@@ -19759,7 +20820,7 @@
                         </a:spcAft>
                       </a:pPr>
                       <a:r>
-                        <a:rPr lang="en-US" sz="1200" b="0">
+                        <a:rPr lang="en-US" sz="1200" b="0" dirty="0">
                           <a:solidFill>
                             <a:schemeClr val="tx1"/>
                           </a:solidFill>
@@ -19767,7 +20828,7 @@
                         </a:rPr>
                         <a:t>HBP</a:t>
                       </a:r>
-                      <a:endParaRPr lang="en-US" sz="1100" b="0">
+                      <a:endParaRPr lang="en-US" sz="1100" b="0" dirty="0">
                         <a:solidFill>
                           <a:schemeClr val="tx1"/>
                         </a:solidFill>
@@ -19846,7 +20907,7 @@
                         </a:spcAft>
                       </a:pPr>
                       <a:r>
-                        <a:rPr lang="en-US" sz="1200" b="0">
+                        <a:rPr lang="en-US" sz="1200" b="0" dirty="0">
                           <a:solidFill>
                             <a:schemeClr val="tx1"/>
                           </a:solidFill>
@@ -19854,7 +20915,7 @@
                         </a:rPr>
                         <a:t>SH</a:t>
                       </a:r>
-                      <a:endParaRPr lang="en-US" sz="1100" b="0">
+                      <a:endParaRPr lang="en-US" sz="1100" b="0" dirty="0">
                         <a:solidFill>
                           <a:schemeClr val="tx1"/>
                         </a:solidFill>
@@ -19933,7 +20994,7 @@
                         </a:spcAft>
                       </a:pPr>
                       <a:r>
-                        <a:rPr lang="en-US" sz="1200" b="0">
+                        <a:rPr lang="en-US" sz="1200" b="0" dirty="0">
                           <a:solidFill>
                             <a:schemeClr val="tx1"/>
                           </a:solidFill>
@@ -19941,7 +21002,7 @@
                         </a:rPr>
                         <a:t>SF</a:t>
                       </a:r>
-                      <a:endParaRPr lang="en-US" sz="1100" b="0">
+                      <a:endParaRPr lang="en-US" sz="1100" b="0" dirty="0">
                         <a:solidFill>
                           <a:schemeClr val="tx1"/>
                         </a:solidFill>

--- a/Documentation/ER_diagrams.pptx
+++ b/Documentation/ER_diagrams.pptx
@@ -3382,7 +3382,7 @@
           <a:p>
             <a:r>
               <a:rPr lang="en-US" dirty="0"/>
-              <a:t>Team: Matthew Hayes, Sarah Smallwood, Joshua Wellman</a:t>
+              <a:t>Team: Matthew Hays, Sarah Smallwood, Joshua Wellman</a:t>
             </a:r>
           </a:p>
         </p:txBody>
@@ -5263,7 +5263,7 @@
         </p:nvSpPr>
         <p:spPr>
           <a:xfrm>
-            <a:off x="2216750" y="2409179"/>
+            <a:off x="6586120" y="1602898"/>
             <a:ext cx="1811045" cy="1136342"/>
           </a:xfrm>
           <a:prstGeom prst="roundRect">
@@ -5315,8 +5315,8 @@
         </p:nvSpPr>
         <p:spPr>
           <a:xfrm>
-            <a:off x="2216751" y="2727011"/>
-            <a:ext cx="1811044" cy="369332"/>
+            <a:off x="6586121" y="1742933"/>
+            <a:ext cx="1811044" cy="923330"/>
           </a:xfrm>
           <a:prstGeom prst="rect">
             <a:avLst/>
@@ -5331,44 +5331,16 @@
           <a:p>
             <a:pPr algn="ctr"/>
             <a:r>
-              <a:rPr lang="en-US" dirty="0"/>
-              <a:t>pitching</a:t>
+              <a:rPr lang="en-US" dirty="0" err="1"/>
+              <a:t>PitchingAgainst</a:t>
             </a:r>
+            <a:endParaRPr lang="en-US" dirty="0"/>
           </a:p>
-        </p:txBody>
-      </p:sp>
-      <p:sp>
-        <p:nvSpPr>
-          <p:cNvPr id="8" name="TextBox 7">
-            <a:extLst>
-              <a:ext uri="{FF2B5EF4-FFF2-40B4-BE49-F238E27FC236}">
-                <a16:creationId xmlns:a16="http://schemas.microsoft.com/office/drawing/2014/main" id="{AEF2D612-6E88-4484-BDEB-9C49A9857091}"/>
-              </a:ext>
-            </a:extLst>
-          </p:cNvPr>
-          <p:cNvSpPr txBox="1"/>
-          <p:nvPr/>
-        </p:nvSpPr>
-        <p:spPr>
-          <a:xfrm>
-            <a:off x="5190477" y="2694614"/>
-            <a:ext cx="1774054" cy="369332"/>
-          </a:xfrm>
-          <a:prstGeom prst="rect">
-            <a:avLst/>
-          </a:prstGeom>
-          <a:noFill/>
-        </p:spPr>
-        <p:txBody>
-          <a:bodyPr wrap="square" rtlCol="0">
-            <a:spAutoFit/>
-          </a:bodyPr>
-          <a:lstStyle/>
           <a:p>
             <a:pPr algn="ctr"/>
             <a:r>
               <a:rPr lang="en-US" dirty="0"/>
-              <a:t>PitchingAgainst</a:t>
+              <a:t>(pitching + Retrosheet)</a:t>
             </a:r>
           </a:p>
         </p:txBody>
@@ -5387,7 +5359,7 @@
         </p:nvSpPr>
         <p:spPr>
           <a:xfrm>
-            <a:off x="5208974" y="4240551"/>
+            <a:off x="6567262" y="4441437"/>
             <a:ext cx="1774054" cy="1111188"/>
           </a:xfrm>
           <a:prstGeom prst="roundRect">
@@ -5439,7 +5411,7 @@
         </p:nvSpPr>
         <p:spPr>
           <a:xfrm>
-            <a:off x="5208974" y="4533229"/>
+            <a:off x="6567262" y="4734115"/>
             <a:ext cx="1774054" cy="369332"/>
           </a:xfrm>
           <a:prstGeom prst="rect">
@@ -5475,8 +5447,8 @@
         </p:nvSpPr>
         <p:spPr>
           <a:xfrm>
-            <a:off x="186431" y="71021"/>
-            <a:ext cx="3621998" cy="923329"/>
+            <a:off x="186431" y="71022"/>
+            <a:ext cx="3621998" cy="646330"/>
           </a:xfrm>
           <a:prstGeom prst="rect">
             <a:avLst/>
@@ -5528,7 +5500,7 @@
         <p:spPr>
           <a:xfrm>
             <a:off x="186430" y="71020"/>
-            <a:ext cx="3452316" cy="923330"/>
+            <a:ext cx="3452316" cy="646331"/>
           </a:xfrm>
           <a:prstGeom prst="rect">
             <a:avLst/>
@@ -5544,7 +5516,7 @@
             <a:pPr algn="ctr"/>
             <a:r>
               <a:rPr lang="en-US" dirty="0"/>
-              <a:t>Project Entity Relationships (Pitching Performance as a Function of Batting Performance)</a:t>
+              <a:t>Project Entity Relationships (Pitching Performance)</a:t>
             </a:r>
           </a:p>
         </p:txBody>
@@ -5563,7 +5535,7 @@
         </p:nvSpPr>
         <p:spPr>
           <a:xfrm>
-            <a:off x="5190477" y="71021"/>
+            <a:off x="6572528" y="152625"/>
             <a:ext cx="1811045" cy="1136342"/>
           </a:xfrm>
           <a:prstGeom prst="roundRect">
@@ -5615,7 +5587,7 @@
         </p:nvSpPr>
         <p:spPr>
           <a:xfrm>
-            <a:off x="5190477" y="363699"/>
+            <a:off x="6572528" y="445303"/>
             <a:ext cx="1811045" cy="369332"/>
           </a:xfrm>
           <a:prstGeom prst="rect">
@@ -5639,10 +5611,163 @@
       </p:sp>
       <p:sp>
         <p:nvSpPr>
-          <p:cNvPr id="15" name="Rectangle: Rounded Corners 14">
+          <p:cNvPr id="41" name="TextBox 40">
             <a:extLst>
               <a:ext uri="{FF2B5EF4-FFF2-40B4-BE49-F238E27FC236}">
-                <a16:creationId xmlns:a16="http://schemas.microsoft.com/office/drawing/2014/main" id="{A7F78B56-2269-4D25-A3C1-F2049FA5C80F}"/>
+                <a16:creationId xmlns:a16="http://schemas.microsoft.com/office/drawing/2014/main" id="{7E502ADF-5C0E-4911-9F0D-85F4B0CB9013}"/>
+              </a:ext>
+            </a:extLst>
+          </p:cNvPr>
+          <p:cNvSpPr txBox="1"/>
+          <p:nvPr/>
+        </p:nvSpPr>
+        <p:spPr>
+          <a:xfrm>
+            <a:off x="-18496" y="5780782"/>
+            <a:ext cx="12192000" cy="830997"/>
+          </a:xfrm>
+          <a:prstGeom prst="rect">
+            <a:avLst/>
+          </a:prstGeom>
+          <a:noFill/>
+        </p:spPr>
+        <p:txBody>
+          <a:bodyPr wrap="square" rtlCol="0">
+            <a:spAutoFit/>
+          </a:bodyPr>
+          <a:lstStyle/>
+          <a:p>
+            <a:r>
+              <a:rPr lang="en-US" sz="1600" dirty="0"/>
+              <a:t>The </a:t>
+            </a:r>
+            <a:r>
+              <a:rPr lang="en-US" sz="1600" dirty="0" err="1"/>
+              <a:t>PitchingAgainst</a:t>
+            </a:r>
+            <a:r>
+              <a:rPr lang="en-US" sz="1600" dirty="0"/>
+              <a:t> entity is created from the combination of all rows from the pitching entity + Retrosheet data post-1974. </a:t>
+            </a:r>
+            <a:r>
+              <a:rPr lang="en-US" sz="1600" dirty="0" err="1"/>
+              <a:t>PitchingAgainst</a:t>
+            </a:r>
+            <a:r>
+              <a:rPr lang="en-US" sz="1600" dirty="0"/>
+              <a:t> only contains players listed in the people table. Using the attributes in </a:t>
+            </a:r>
+            <a:r>
+              <a:rPr lang="en-US" sz="1600" dirty="0" err="1"/>
+              <a:t>PitchingAgainst</a:t>
+            </a:r>
+            <a:r>
+              <a:rPr lang="en-US" sz="1600" dirty="0"/>
+              <a:t>, related through each player’s stint, we calculate attributes for another new entity, called </a:t>
+            </a:r>
+            <a:r>
+              <a:rPr lang="en-US" sz="1600" dirty="0" err="1"/>
+              <a:t>PitchingAnalytics</a:t>
+            </a:r>
+            <a:r>
+              <a:rPr lang="en-US" sz="1600" dirty="0"/>
+              <a:t>.</a:t>
+            </a:r>
+          </a:p>
+        </p:txBody>
+      </p:sp>
+      <p:cxnSp>
+        <p:nvCxnSpPr>
+          <p:cNvPr id="22" name="Straight Connector 21">
+            <a:extLst>
+              <a:ext uri="{FF2B5EF4-FFF2-40B4-BE49-F238E27FC236}">
+                <a16:creationId xmlns:a16="http://schemas.microsoft.com/office/drawing/2014/main" id="{8269089A-F2DF-48D5-8863-0382F31E9A44}"/>
+              </a:ext>
+            </a:extLst>
+          </p:cNvPr>
+          <p:cNvCxnSpPr>
+            <a:cxnSpLocks/>
+          </p:cNvCxnSpPr>
+          <p:nvPr/>
+        </p:nvCxnSpPr>
+        <p:spPr>
+          <a:xfrm>
+            <a:off x="7459555" y="2739240"/>
+            <a:ext cx="0" cy="300147"/>
+          </a:xfrm>
+          <a:prstGeom prst="line">
+            <a:avLst/>
+          </a:prstGeom>
+          <a:ln>
+            <a:solidFill>
+              <a:schemeClr val="tx1"/>
+            </a:solidFill>
+          </a:ln>
+        </p:spPr>
+        <p:style>
+          <a:lnRef idx="1">
+            <a:schemeClr val="accent1"/>
+          </a:lnRef>
+          <a:fillRef idx="0">
+            <a:schemeClr val="accent1"/>
+          </a:fillRef>
+          <a:effectRef idx="0">
+            <a:schemeClr val="accent1"/>
+          </a:effectRef>
+          <a:fontRef idx="minor">
+            <a:schemeClr val="tx1"/>
+          </a:fontRef>
+        </p:style>
+      </p:cxnSp>
+      <p:cxnSp>
+        <p:nvCxnSpPr>
+          <p:cNvPr id="24" name="Straight Connector 23">
+            <a:extLst>
+              <a:ext uri="{FF2B5EF4-FFF2-40B4-BE49-F238E27FC236}">
+                <a16:creationId xmlns:a16="http://schemas.microsoft.com/office/drawing/2014/main" id="{7315F532-9461-484C-A0AF-22D5B28E514A}"/>
+              </a:ext>
+            </a:extLst>
+          </p:cNvPr>
+          <p:cNvCxnSpPr>
+            <a:cxnSpLocks/>
+          </p:cNvCxnSpPr>
+          <p:nvPr/>
+        </p:nvCxnSpPr>
+        <p:spPr>
+          <a:xfrm>
+            <a:off x="7459555" y="1290893"/>
+            <a:ext cx="0" cy="300147"/>
+          </a:xfrm>
+          <a:prstGeom prst="line">
+            <a:avLst/>
+          </a:prstGeom>
+          <a:ln>
+            <a:solidFill>
+              <a:schemeClr val="tx1"/>
+            </a:solidFill>
+          </a:ln>
+        </p:spPr>
+        <p:style>
+          <a:lnRef idx="1">
+            <a:schemeClr val="accent1"/>
+          </a:lnRef>
+          <a:fillRef idx="0">
+            <a:schemeClr val="accent1"/>
+          </a:fillRef>
+          <a:effectRef idx="0">
+            <a:schemeClr val="accent1"/>
+          </a:effectRef>
+          <a:fontRef idx="minor">
+            <a:schemeClr val="tx1"/>
+          </a:fontRef>
+        </p:style>
+      </p:cxnSp>
+      <p:sp>
+        <p:nvSpPr>
+          <p:cNvPr id="30" name="Diamond 29">
+            <a:extLst>
+              <a:ext uri="{FF2B5EF4-FFF2-40B4-BE49-F238E27FC236}">
+                <a16:creationId xmlns:a16="http://schemas.microsoft.com/office/drawing/2014/main" id="{1673B5E2-7D57-40CF-9464-FA57A55BAB38}"/>
               </a:ext>
             </a:extLst>
           </p:cNvPr>
@@ -5651,10 +5776,10 @@
         </p:nvSpPr>
         <p:spPr>
           <a:xfrm>
-            <a:off x="8311547" y="2409179"/>
-            <a:ext cx="1811045" cy="1136342"/>
+            <a:off x="3916286" y="1610802"/>
+            <a:ext cx="1310325" cy="1182967"/>
           </a:xfrm>
-          <a:prstGeom prst="roundRect">
+          <a:prstGeom prst="diamond">
             <a:avLst/>
           </a:prstGeom>
           <a:noFill/>
@@ -5691,10 +5816,10 @@
       </p:sp>
       <p:sp>
         <p:nvSpPr>
-          <p:cNvPr id="16" name="TextBox 15">
+          <p:cNvPr id="31" name="TextBox 30">
             <a:extLst>
               <a:ext uri="{FF2B5EF4-FFF2-40B4-BE49-F238E27FC236}">
-                <a16:creationId xmlns:a16="http://schemas.microsoft.com/office/drawing/2014/main" id="{07D6B4E5-0C5E-4BF1-8C8E-E3CC043E53F1}"/>
+                <a16:creationId xmlns:a16="http://schemas.microsoft.com/office/drawing/2014/main" id="{40445B58-6FD6-4387-BE05-ECBF41DF0A26}"/>
               </a:ext>
             </a:extLst>
           </p:cNvPr>
@@ -5703,8 +5828,8 @@
         </p:nvSpPr>
         <p:spPr>
           <a:xfrm>
-            <a:off x="8311548" y="2727011"/>
-            <a:ext cx="1811044" cy="369332"/>
+            <a:off x="4034120" y="1994012"/>
+            <a:ext cx="1074655" cy="369332"/>
           </a:xfrm>
           <a:prstGeom prst="rect">
             <a:avLst/>
@@ -5717,89 +5842,40 @@
           </a:bodyPr>
           <a:lstStyle/>
           <a:p>
-            <a:pPr algn="ctr"/>
             <a:r>
               <a:rPr lang="en-US" dirty="0"/>
-              <a:t>batting</a:t>
+              <a:t>contains</a:t>
             </a:r>
           </a:p>
         </p:txBody>
       </p:sp>
       <p:cxnSp>
         <p:nvCxnSpPr>
-          <p:cNvPr id="18" name="Connector: Elbow 17">
+          <p:cNvPr id="36" name="Connector: Elbow 35">
             <a:extLst>
               <a:ext uri="{FF2B5EF4-FFF2-40B4-BE49-F238E27FC236}">
-                <a16:creationId xmlns:a16="http://schemas.microsoft.com/office/drawing/2014/main" id="{3919DDA7-6FD8-4D13-B229-88C65E07CCE7}"/>
+                <a16:creationId xmlns:a16="http://schemas.microsoft.com/office/drawing/2014/main" id="{0EDA5590-A51F-4EEA-99EE-69DC8C96B551}"/>
               </a:ext>
             </a:extLst>
           </p:cNvPr>
           <p:cNvCxnSpPr>
-            <a:stCxn id="5" idx="0"/>
-            <a:endCxn id="13" idx="2"/>
+            <a:stCxn id="30" idx="0"/>
+            <a:endCxn id="14" idx="1"/>
           </p:cNvCxnSpPr>
           <p:nvPr/>
         </p:nvCxnSpPr>
         <p:spPr>
           <a:xfrm rot="5400000" flipH="1" flipV="1">
-            <a:off x="4008228" y="321408"/>
-            <a:ext cx="1201816" cy="2973727"/>
+            <a:off x="5081572" y="119847"/>
+            <a:ext cx="980833" cy="2001079"/>
           </a:xfrm>
-          <a:prstGeom prst="bentConnector3">
+          <a:prstGeom prst="bentConnector2">
             <a:avLst/>
           </a:prstGeom>
           <a:ln>
             <a:solidFill>
               <a:schemeClr val="tx1"/>
             </a:solidFill>
-            <a:tailEnd type="triangle"/>
-          </a:ln>
-        </p:spPr>
-        <p:style>
-          <a:lnRef idx="1">
-            <a:schemeClr val="accent1"/>
-          </a:lnRef>
-          <a:fillRef idx="0">
-            <a:schemeClr val="accent1"/>
-          </a:fillRef>
-          <a:effectRef idx="0">
-            <a:schemeClr val="accent1"/>
-          </a:effectRef>
-          <a:fontRef idx="minor">
-            <a:schemeClr val="tx1"/>
-          </a:fontRef>
-        </p:style>
-      </p:cxnSp>
-      <p:cxnSp>
-        <p:nvCxnSpPr>
-          <p:cNvPr id="20" name="Connector: Elbow 19">
-            <a:extLst>
-              <a:ext uri="{FF2B5EF4-FFF2-40B4-BE49-F238E27FC236}">
-                <a16:creationId xmlns:a16="http://schemas.microsoft.com/office/drawing/2014/main" id="{DE71E835-AF09-49D7-B85E-9F486DB67BDD}"/>
-              </a:ext>
-            </a:extLst>
-          </p:cNvPr>
-          <p:cNvCxnSpPr>
-            <a:stCxn id="15" idx="0"/>
-            <a:endCxn id="13" idx="2"/>
-          </p:cNvCxnSpPr>
-          <p:nvPr/>
-        </p:nvCxnSpPr>
-        <p:spPr>
-          <a:xfrm rot="16200000" flipV="1">
-            <a:off x="7055627" y="247736"/>
-            <a:ext cx="1201816" cy="3121070"/>
-          </a:xfrm>
-          <a:prstGeom prst="bentConnector3">
-            <a:avLst>
-              <a:gd name="adj1" fmla="val 50000"/>
-            </a:avLst>
-          </a:prstGeom>
-          <a:ln>
-            <a:solidFill>
-              <a:schemeClr val="tx1"/>
-            </a:solidFill>
-            <a:tailEnd type="triangle"/>
           </a:ln>
         </p:spPr>
         <p:style>
@@ -5819,10 +5895,10 @@
       </p:cxnSp>
       <p:sp>
         <p:nvSpPr>
-          <p:cNvPr id="23" name="Diamond 22">
+          <p:cNvPr id="49" name="Diamond 48">
             <a:extLst>
               <a:ext uri="{FF2B5EF4-FFF2-40B4-BE49-F238E27FC236}">
-                <a16:creationId xmlns:a16="http://schemas.microsoft.com/office/drawing/2014/main" id="{52154947-8A9A-40A2-9C1C-B11D1DF14EFC}"/>
+                <a16:creationId xmlns:a16="http://schemas.microsoft.com/office/drawing/2014/main" id="{BC804142-0AB9-43E4-A55E-987FE5358B53}"/>
               </a:ext>
             </a:extLst>
           </p:cNvPr>
@@ -5831,8 +5907,8 @@
         </p:nvSpPr>
         <p:spPr>
           <a:xfrm>
-            <a:off x="5208974" y="2077956"/>
-            <a:ext cx="1774054" cy="1659702"/>
+            <a:off x="6799128" y="3048174"/>
+            <a:ext cx="1310325" cy="1182967"/>
           </a:xfrm>
           <a:prstGeom prst="diamond">
             <a:avLst/>
@@ -5869,25 +5945,61 @@
           </a:p>
         </p:txBody>
       </p:sp>
+      <p:sp>
+        <p:nvSpPr>
+          <p:cNvPr id="55" name="TextBox 54">
+            <a:extLst>
+              <a:ext uri="{FF2B5EF4-FFF2-40B4-BE49-F238E27FC236}">
+                <a16:creationId xmlns:a16="http://schemas.microsoft.com/office/drawing/2014/main" id="{6C8D8BF1-6CF4-4A63-A0F9-1B28F20D24C6}"/>
+              </a:ext>
+            </a:extLst>
+          </p:cNvPr>
+          <p:cNvSpPr txBox="1"/>
+          <p:nvPr/>
+        </p:nvSpPr>
+        <p:spPr>
+          <a:xfrm>
+            <a:off x="6916962" y="3427977"/>
+            <a:ext cx="1074655" cy="369332"/>
+          </a:xfrm>
+          <a:prstGeom prst="rect">
+            <a:avLst/>
+          </a:prstGeom>
+          <a:noFill/>
+        </p:spPr>
+        <p:txBody>
+          <a:bodyPr wrap="square" rtlCol="0">
+            <a:spAutoFit/>
+          </a:bodyPr>
+          <a:lstStyle/>
+          <a:p>
+            <a:pPr algn="ctr"/>
+            <a:r>
+              <a:rPr lang="en-US" dirty="0"/>
+              <a:t>stint</a:t>
+            </a:r>
+          </a:p>
+        </p:txBody>
+      </p:sp>
       <p:cxnSp>
         <p:nvCxnSpPr>
-          <p:cNvPr id="29" name="Straight Connector 28">
+          <p:cNvPr id="57" name="Straight Connector 56">
             <a:extLst>
               <a:ext uri="{FF2B5EF4-FFF2-40B4-BE49-F238E27FC236}">
-                <a16:creationId xmlns:a16="http://schemas.microsoft.com/office/drawing/2014/main" id="{48403055-1E0D-4F5A-9754-E229D807B715}"/>
+                <a16:creationId xmlns:a16="http://schemas.microsoft.com/office/drawing/2014/main" id="{01284B46-7DC9-4B62-92A4-BCE2351BBAAB}"/>
               </a:ext>
             </a:extLst>
           </p:cNvPr>
           <p:cNvCxnSpPr>
-            <a:stCxn id="6" idx="3"/>
-            <a:endCxn id="23" idx="1"/>
+            <a:cxnSpLocks/>
+            <a:endCxn id="9" idx="0"/>
           </p:cNvCxnSpPr>
           <p:nvPr/>
         </p:nvCxnSpPr>
         <p:spPr>
-          <a:xfrm flipV="1">
-            <a:off x="4027795" y="2907807"/>
-            <a:ext cx="1181179" cy="3870"/>
+          <a:xfrm>
+            <a:off x="7449025" y="4223882"/>
+            <a:ext cx="5264" cy="217555"/>
           </a:xfrm>
           <a:prstGeom prst="line">
             <a:avLst/>
@@ -5915,23 +6027,23 @@
       </p:cxnSp>
       <p:cxnSp>
         <p:nvCxnSpPr>
-          <p:cNvPr id="33" name="Straight Connector 32">
+          <p:cNvPr id="61" name="Straight Connector 60">
             <a:extLst>
               <a:ext uri="{FF2B5EF4-FFF2-40B4-BE49-F238E27FC236}">
-                <a16:creationId xmlns:a16="http://schemas.microsoft.com/office/drawing/2014/main" id="{F49DF9C6-19A3-43D2-B60F-576E82F9CBC6}"/>
+                <a16:creationId xmlns:a16="http://schemas.microsoft.com/office/drawing/2014/main" id="{08996E58-FA37-44B3-B08C-03ABCCD7C84D}"/>
               </a:ext>
             </a:extLst>
           </p:cNvPr>
           <p:cNvCxnSpPr>
-            <a:stCxn id="23" idx="3"/>
-            <a:endCxn id="16" idx="1"/>
+            <a:stCxn id="30" idx="3"/>
+            <a:endCxn id="6" idx="1"/>
           </p:cNvCxnSpPr>
           <p:nvPr/>
         </p:nvCxnSpPr>
         <p:spPr>
           <a:xfrm>
-            <a:off x="6983028" y="2907807"/>
-            <a:ext cx="1328520" cy="3870"/>
+            <a:off x="5226611" y="2202286"/>
+            <a:ext cx="1359510" cy="2312"/>
           </a:xfrm>
           <a:prstGeom prst="line">
             <a:avLst/>
@@ -5957,85 +6069,6 @@
           </a:fontRef>
         </p:style>
       </p:cxnSp>
-      <p:cxnSp>
-        <p:nvCxnSpPr>
-          <p:cNvPr id="39" name="Straight Connector 38">
-            <a:extLst>
-              <a:ext uri="{FF2B5EF4-FFF2-40B4-BE49-F238E27FC236}">
-                <a16:creationId xmlns:a16="http://schemas.microsoft.com/office/drawing/2014/main" id="{2E6CC827-CF39-44DB-81C6-2EC172A6ED72}"/>
-              </a:ext>
-            </a:extLst>
-          </p:cNvPr>
-          <p:cNvCxnSpPr>
-            <a:stCxn id="23" idx="2"/>
-            <a:endCxn id="9" idx="0"/>
-          </p:cNvCxnSpPr>
-          <p:nvPr/>
-        </p:nvCxnSpPr>
-        <p:spPr>
-          <a:xfrm>
-            <a:off x="6096001" y="3737658"/>
-            <a:ext cx="0" cy="502893"/>
-          </a:xfrm>
-          <a:prstGeom prst="line">
-            <a:avLst/>
-          </a:prstGeom>
-          <a:ln>
-            <a:solidFill>
-              <a:schemeClr val="tx1"/>
-            </a:solidFill>
-          </a:ln>
-        </p:spPr>
-        <p:style>
-          <a:lnRef idx="1">
-            <a:schemeClr val="accent1"/>
-          </a:lnRef>
-          <a:fillRef idx="0">
-            <a:schemeClr val="accent1"/>
-          </a:fillRef>
-          <a:effectRef idx="0">
-            <a:schemeClr val="accent1"/>
-          </a:effectRef>
-          <a:fontRef idx="minor">
-            <a:schemeClr val="tx1"/>
-          </a:fontRef>
-        </p:style>
-      </p:cxnSp>
-      <p:sp>
-        <p:nvSpPr>
-          <p:cNvPr id="41" name="TextBox 40">
-            <a:extLst>
-              <a:ext uri="{FF2B5EF4-FFF2-40B4-BE49-F238E27FC236}">
-                <a16:creationId xmlns:a16="http://schemas.microsoft.com/office/drawing/2014/main" id="{7E502ADF-5C0E-4911-9F0D-85F4B0CB9013}"/>
-              </a:ext>
-            </a:extLst>
-          </p:cNvPr>
-          <p:cNvSpPr txBox="1"/>
-          <p:nvPr/>
-        </p:nvSpPr>
-        <p:spPr>
-          <a:xfrm>
-            <a:off x="-18496" y="5780782"/>
-            <a:ext cx="12192000" cy="1077218"/>
-          </a:xfrm>
-          <a:prstGeom prst="rect">
-            <a:avLst/>
-          </a:prstGeom>
-          <a:noFill/>
-        </p:spPr>
-        <p:txBody>
-          <a:bodyPr wrap="square" rtlCol="0">
-            <a:spAutoFit/>
-          </a:bodyPr>
-          <a:lstStyle/>
-          <a:p>
-            <a:r>
-              <a:rPr lang="en-US" sz="1600" dirty="0"/>
-              <a:t>Because pitchers play against batters, we can analyze the relationship between pitchers and batters with a set of statistics that shows pitchers’ performance specifically as it relates to that of batters’. We call this relationship PitchingAgainst and it becomes its own entity. To analyze the performance described in this relationship, another entity is needed to record statistics that are not directly related to batting, but stem from pitching performance. We call this entity PitchingAnalytics.</a:t>
-            </a:r>
-          </a:p>
-        </p:txBody>
-      </p:sp>
     </p:spTree>
     <p:extLst>
       <p:ext uri="{BB962C8B-B14F-4D97-AF65-F5344CB8AC3E}">
@@ -9821,7 +9854,7 @@
         <p:spPr>
           <a:xfrm>
             <a:off x="186430" y="71021"/>
-            <a:ext cx="7281170" cy="383559"/>
+            <a:ext cx="3725694" cy="383559"/>
           </a:xfrm>
           <a:prstGeom prst="rect">
             <a:avLst/>
@@ -9872,8 +9905,8 @@
         </p:nvSpPr>
         <p:spPr>
           <a:xfrm>
-            <a:off x="186430" y="52934"/>
-            <a:ext cx="7355013" cy="369332"/>
+            <a:off x="186431" y="52934"/>
+            <a:ext cx="3725694" cy="369332"/>
           </a:xfrm>
           <a:prstGeom prst="rect">
             <a:avLst/>
@@ -9889,7 +9922,7 @@
             <a:pPr algn="ctr"/>
             <a:r>
               <a:rPr lang="en-US" dirty="0"/>
-              <a:t>Project Tables (Pitching Performance as Related to Batting Performance)</a:t>
+              <a:t>Project Tables (Pitching Performance)</a:t>
             </a:r>
           </a:p>
         </p:txBody>
@@ -15076,18 +15109,6 @@
                         </a:spcAft>
                       </a:pPr>
                       <a:r>
-                        <a:rPr lang="en-US" sz="1200" dirty="0" err="1">
-                          <a:solidFill>
-                            <a:schemeClr val="tx1"/>
-                          </a:solidFill>
-                          <a:effectLst/>
-                          <a:latin typeface="Calibri" panose="020F0502020204030204" pitchFamily="34" charset="0"/>
-                          <a:ea typeface="Calibri" panose="020F0502020204030204" pitchFamily="34" charset="0"/>
-                          <a:cs typeface="Times New Roman" panose="02020603050405020304" pitchFamily="18" charset="0"/>
-                        </a:rPr>
-                        <a:t>Retrosheet</a:t>
-                      </a:r>
-                      <a:r>
                         <a:rPr lang="en-US" sz="1200" dirty="0">
                           <a:solidFill>
                             <a:schemeClr val="tx1"/>
@@ -15097,7 +15118,7 @@
                           <a:ea typeface="Calibri" panose="020F0502020204030204" pitchFamily="34" charset="0"/>
                           <a:cs typeface="Times New Roman" panose="02020603050405020304" pitchFamily="18" charset="0"/>
                         </a:rPr>
-                        <a:t> Data</a:t>
+                        <a:t>Retrosheet Data</a:t>
                       </a:r>
                       <a:endParaRPr lang="en-US" sz="1100" dirty="0">
                         <a:solidFill>
@@ -16217,7 +16238,7 @@
         <p:spPr>
           <a:xfrm>
             <a:off x="4355184" y="5778224"/>
-            <a:ext cx="7522590" cy="1015663"/>
+            <a:ext cx="7522590" cy="830997"/>
           </a:xfrm>
           <a:prstGeom prst="rect">
             <a:avLst/>
@@ -16232,7 +16253,23 @@
           <a:p>
             <a:r>
               <a:rPr lang="en-US" sz="1200" dirty="0"/>
-              <a:t>To review pitching performance as it relates to batting performance, we first need to start with all attributes of our batting entity and find those values within the context of pitching. We do this by first pulling all relevant attributes we inherently have in the </a:t>
+              <a:t>To review pitching performance, we model our </a:t>
+            </a:r>
+            <a:r>
+              <a:rPr lang="en-US" sz="1200" dirty="0" err="1"/>
+              <a:t>PitchingAgainst</a:t>
+            </a:r>
+            <a:r>
+              <a:rPr lang="en-US" sz="1200" dirty="0"/>
+              <a:t> entity off of our batting entity. </a:t>
+            </a:r>
+            <a:r>
+              <a:rPr lang="en-US" sz="1200" dirty="0" err="1"/>
+              <a:t>PitchingAgainst</a:t>
+            </a:r>
+            <a:r>
+              <a:rPr lang="en-US" sz="1200" dirty="0"/>
+              <a:t> is then created by first pulling all relevant attributes we inherently have in the </a:t>
             </a:r>
             <a:r>
               <a:rPr lang="en-US" sz="1200" dirty="0" err="1"/>
@@ -16248,7 +16285,15 @@
             </a:r>
             <a:r>
               <a:rPr lang="en-US" sz="1200" dirty="0"/>
-              <a:t>. This completes the PitchingAgainst entity. PitchingAnalytics then contains attributes which are calculated using values from PitchingAgainst.</a:t>
+              <a:t>. </a:t>
+            </a:r>
+            <a:r>
+              <a:rPr lang="en-US" sz="1200" dirty="0" err="1"/>
+              <a:t>PitchingAnalytics</a:t>
+            </a:r>
+            <a:r>
+              <a:rPr lang="en-US" sz="1200" dirty="0"/>
+              <a:t> then contains attributes which are calculated using values from PitchingAgainst.</a:t>
             </a:r>
           </a:p>
         </p:txBody>
